--- a/cs564_fall17/slides/lecture25-query-opt.pptx
+++ b/cs564_fall17/slides/lecture25-query-opt.pptx
@@ -23863,17 +23863,6 @@
             </a:r>
             <a:endParaRPr lang="en-US" sz="4000" dirty="0"/>
           </a:p>
-          <a:p>
-            <a:pPr lvl="1"/>
-            <a:r>
-              <a:rPr lang="en-US" sz="3200" dirty="0" smtClean="0"/>
-              <a:t>In reality, use </a:t>
-            </a:r>
-            <a:r>
-              <a:rPr lang="en-US" sz="3200" i="1" dirty="0" smtClean="0"/>
-              <a:t>dynamic programming</a:t>
-            </a:r>
-          </a:p>
         </p:txBody>
       </p:sp>
       <p:sp>
@@ -24052,55 +24041,6 @@
                                           <p:spTgt spid="22">
                                             <p:txEl>
                                               <p:pRg st="2" end="2"/>
-                                            </p:txEl>
-                                          </p:spTgt>
-                                        </p:tgtEl>
-                                        <p:attrNameLst>
-                                          <p:attrName>style.visibility</p:attrName>
-                                        </p:attrNameLst>
-                                      </p:cBhvr>
-                                      <p:to>
-                                        <p:strVal val="visible"/>
-                                      </p:to>
-                                    </p:set>
-                                  </p:childTnLst>
-                                </p:cTn>
-                              </p:par>
-                            </p:childTnLst>
-                          </p:cTn>
-                        </p:par>
-                      </p:childTnLst>
-                    </p:cTn>
-                  </p:par>
-                  <p:par>
-                    <p:cTn id="11" fill="hold">
-                      <p:stCondLst>
-                        <p:cond delay="indefinite"/>
-                      </p:stCondLst>
-                      <p:childTnLst>
-                        <p:par>
-                          <p:cTn id="12" fill="hold">
-                            <p:stCondLst>
-                              <p:cond delay="0"/>
-                            </p:stCondLst>
-                            <p:childTnLst>
-                              <p:par>
-                                <p:cTn id="13" presetID="1" presetClass="entr" presetSubtype="0" fill="hold" nodeType="clickEffect">
-                                  <p:stCondLst>
-                                    <p:cond delay="0"/>
-                                  </p:stCondLst>
-                                  <p:childTnLst>
-                                    <p:set>
-                                      <p:cBhvr>
-                                        <p:cTn id="14" dur="1" fill="hold">
-                                          <p:stCondLst>
-                                            <p:cond delay="0"/>
-                                          </p:stCondLst>
-                                        </p:cTn>
-                                        <p:tgtEl>
-                                          <p:spTgt spid="22">
-                                            <p:txEl>
-                                              <p:pRg st="3" end="3"/>
                                             </p:txEl>
                                           </p:spTgt>
                                         </p:tgtEl>
@@ -27572,15 +27512,7 @@
                   <a:prstClr val="black"/>
                 </a:solidFill>
               </a:rPr>
-              <a:t>Course evaluations </a:t>
-            </a:r>
-            <a:r>
-              <a:rPr lang="en-US" sz="4000" smtClean="0">
-                <a:solidFill>
-                  <a:prstClr val="black"/>
-                </a:solidFill>
-              </a:rPr>
-              <a:t>are out</a:t>
+              <a:t>Course evaluations are out</a:t>
             </a:r>
             <a:endParaRPr lang="en-US" sz="3600" dirty="0" smtClean="0">
               <a:solidFill>
